--- a/Rockbuster Stealth Presentation - Final.pptx
+++ b/Rockbuster Stealth Presentation - Final.pptx
@@ -315,7 +315,7 @@
           <a:p>
             <a:fld id="{B31C4CFA-3295-4762-AD60-54AFC718FDB1}" type="datetimeFigureOut">
               <a:rPr lang="en-US" smtClean="0"/>
-              <a:t>9/26/2023</a:t>
+              <a:t>10/2/2023</a:t>
             </a:fld>
             <a:endParaRPr lang="en-US"/>
           </a:p>
@@ -613,7 +613,7 @@
           <a:p>
             <a:fld id="{B31C4CFA-3295-4762-AD60-54AFC718FDB1}" type="datetimeFigureOut">
               <a:rPr lang="en-US" smtClean="0"/>
-              <a:t>9/26/2023</a:t>
+              <a:t>10/2/2023</a:t>
             </a:fld>
             <a:endParaRPr lang="en-US"/>
           </a:p>
@@ -805,7 +805,7 @@
           <a:p>
             <a:fld id="{B31C4CFA-3295-4762-AD60-54AFC718FDB1}" type="datetimeFigureOut">
               <a:rPr lang="en-US" smtClean="0"/>
-              <a:t>9/26/2023</a:t>
+              <a:t>10/2/2023</a:t>
             </a:fld>
             <a:endParaRPr lang="en-US"/>
           </a:p>
@@ -1066,7 +1066,7 @@
           <a:p>
             <a:fld id="{B31C4CFA-3295-4762-AD60-54AFC718FDB1}" type="datetimeFigureOut">
               <a:rPr lang="en-US" smtClean="0"/>
-              <a:t>9/26/2023</a:t>
+              <a:t>10/2/2023</a:t>
             </a:fld>
             <a:endParaRPr lang="en-US"/>
           </a:p>
@@ -1490,7 +1490,7 @@
           <a:p>
             <a:fld id="{B31C4CFA-3295-4762-AD60-54AFC718FDB1}" type="datetimeFigureOut">
               <a:rPr lang="en-US" smtClean="0"/>
-              <a:t>9/26/2023</a:t>
+              <a:t>10/2/2023</a:t>
             </a:fld>
             <a:endParaRPr lang="en-US"/>
           </a:p>
@@ -2027,7 +2027,7 @@
           <a:p>
             <a:fld id="{B31C4CFA-3295-4762-AD60-54AFC718FDB1}" type="datetimeFigureOut">
               <a:rPr lang="en-US" smtClean="0"/>
-              <a:t>9/26/2023</a:t>
+              <a:t>10/2/2023</a:t>
             </a:fld>
             <a:endParaRPr lang="en-US"/>
           </a:p>
@@ -2891,7 +2891,7 @@
           <a:p>
             <a:fld id="{B31C4CFA-3295-4762-AD60-54AFC718FDB1}" type="datetimeFigureOut">
               <a:rPr lang="en-US" smtClean="0"/>
-              <a:t>9/26/2023</a:t>
+              <a:t>10/2/2023</a:t>
             </a:fld>
             <a:endParaRPr lang="en-US"/>
           </a:p>
@@ -3061,7 +3061,7 @@
           <a:p>
             <a:fld id="{B31C4CFA-3295-4762-AD60-54AFC718FDB1}" type="datetimeFigureOut">
               <a:rPr lang="en-US" smtClean="0"/>
-              <a:t>9/26/2023</a:t>
+              <a:t>10/2/2023</a:t>
             </a:fld>
             <a:endParaRPr lang="en-US"/>
           </a:p>
@@ -3245,7 +3245,7 @@
           <a:p>
             <a:fld id="{B31C4CFA-3295-4762-AD60-54AFC718FDB1}" type="datetimeFigureOut">
               <a:rPr lang="en-US" smtClean="0"/>
-              <a:t>9/26/2023</a:t>
+              <a:t>10/2/2023</a:t>
             </a:fld>
             <a:endParaRPr lang="en-US"/>
           </a:p>
@@ -3415,7 +3415,7 @@
           <a:p>
             <a:fld id="{B31C4CFA-3295-4762-AD60-54AFC718FDB1}" type="datetimeFigureOut">
               <a:rPr lang="en-US" smtClean="0"/>
-              <a:t>9/26/2023</a:t>
+              <a:t>10/2/2023</a:t>
             </a:fld>
             <a:endParaRPr lang="en-US"/>
           </a:p>
@@ -3659,7 +3659,7 @@
           <a:p>
             <a:fld id="{B31C4CFA-3295-4762-AD60-54AFC718FDB1}" type="datetimeFigureOut">
               <a:rPr lang="en-US" smtClean="0"/>
-              <a:t>9/26/2023</a:t>
+              <a:t>10/2/2023</a:t>
             </a:fld>
             <a:endParaRPr lang="en-US"/>
           </a:p>
@@ -3895,7 +3895,7 @@
           <a:p>
             <a:fld id="{B31C4CFA-3295-4762-AD60-54AFC718FDB1}" type="datetimeFigureOut">
               <a:rPr lang="en-US" smtClean="0"/>
-              <a:t>9/26/2023</a:t>
+              <a:t>10/2/2023</a:t>
             </a:fld>
             <a:endParaRPr lang="en-US"/>
           </a:p>
@@ -4361,7 +4361,7 @@
           <a:p>
             <a:fld id="{B31C4CFA-3295-4762-AD60-54AFC718FDB1}" type="datetimeFigureOut">
               <a:rPr lang="en-US" smtClean="0"/>
-              <a:t>9/26/2023</a:t>
+              <a:t>10/2/2023</a:t>
             </a:fld>
             <a:endParaRPr lang="en-US"/>
           </a:p>
@@ -4479,7 +4479,7 @@
           <a:p>
             <a:fld id="{B31C4CFA-3295-4762-AD60-54AFC718FDB1}" type="datetimeFigureOut">
               <a:rPr lang="en-US" smtClean="0"/>
-              <a:t>9/26/2023</a:t>
+              <a:t>10/2/2023</a:t>
             </a:fld>
             <a:endParaRPr lang="en-US"/>
           </a:p>
@@ -4574,7 +4574,7 @@
           <a:p>
             <a:fld id="{B31C4CFA-3295-4762-AD60-54AFC718FDB1}" type="datetimeFigureOut">
               <a:rPr lang="en-US" smtClean="0"/>
-              <a:t>9/26/2023</a:t>
+              <a:t>10/2/2023</a:t>
             </a:fld>
             <a:endParaRPr lang="en-US"/>
           </a:p>
@@ -4829,7 +4829,7 @@
           <a:p>
             <a:fld id="{B31C4CFA-3295-4762-AD60-54AFC718FDB1}" type="datetimeFigureOut">
               <a:rPr lang="en-US" smtClean="0"/>
-              <a:t>9/26/2023</a:t>
+              <a:t>10/2/2023</a:t>
             </a:fld>
             <a:endParaRPr lang="en-US"/>
           </a:p>
@@ -5129,7 +5129,7 @@
           <a:p>
             <a:fld id="{B31C4CFA-3295-4762-AD60-54AFC718FDB1}" type="datetimeFigureOut">
               <a:rPr lang="en-US" smtClean="0"/>
-              <a:t>9/26/2023</a:t>
+              <a:t>10/2/2023</a:t>
             </a:fld>
             <a:endParaRPr lang="en-US"/>
           </a:p>
@@ -5363,7 +5363,7 @@
           <a:p>
             <a:fld id="{B31C4CFA-3295-4762-AD60-54AFC718FDB1}" type="datetimeFigureOut">
               <a:rPr lang="en-US" smtClean="0"/>
-              <a:t>9/26/2023</a:t>
+              <a:t>10/2/2023</a:t>
             </a:fld>
             <a:endParaRPr lang="en-US"/>
           </a:p>
@@ -9812,7 +9812,15 @@
             </a:r>
             <a:r>
               <a:rPr lang="en-US" sz="2000" dirty="0"/>
-              <a:t> should use a single marketing strategy for all its regions.</a:t>
+              <a:t> should </a:t>
+            </a:r>
+            <a:r>
+              <a:rPr lang="en-US" sz="2000"/>
+              <a:t>use a different marketing </a:t>
+            </a:r>
+            <a:r>
+              <a:rPr lang="en-US" sz="2000" dirty="0"/>
+              <a:t>strategy for all its regions.</a:t>
             </a:r>
           </a:p>
           <a:p>
